--- a/Mapa do Modelo.pptx
+++ b/Mapa do Modelo.pptx
@@ -247,7 +247,7 @@
           <a:p>
             <a:fld id="{EB6B2D80-902D-46A4-90A3-28F1615B9F98}" type="datetimeFigureOut">
               <a:rPr lang="pt-BR" smtClean="0"/>
-              <a:t>12/07/2017</a:t>
+              <a:t>13/07/2017</a:t>
             </a:fld>
             <a:endParaRPr lang="pt-BR"/>
           </a:p>
@@ -417,7 +417,7 @@
           <a:p>
             <a:fld id="{EB6B2D80-902D-46A4-90A3-28F1615B9F98}" type="datetimeFigureOut">
               <a:rPr lang="pt-BR" smtClean="0"/>
-              <a:t>12/07/2017</a:t>
+              <a:t>13/07/2017</a:t>
             </a:fld>
             <a:endParaRPr lang="pt-BR"/>
           </a:p>
@@ -597,7 +597,7 @@
           <a:p>
             <a:fld id="{EB6B2D80-902D-46A4-90A3-28F1615B9F98}" type="datetimeFigureOut">
               <a:rPr lang="pt-BR" smtClean="0"/>
-              <a:t>12/07/2017</a:t>
+              <a:t>13/07/2017</a:t>
             </a:fld>
             <a:endParaRPr lang="pt-BR"/>
           </a:p>
@@ -767,7 +767,7 @@
           <a:p>
             <a:fld id="{EB6B2D80-902D-46A4-90A3-28F1615B9F98}" type="datetimeFigureOut">
               <a:rPr lang="pt-BR" smtClean="0"/>
-              <a:t>12/07/2017</a:t>
+              <a:t>13/07/2017</a:t>
             </a:fld>
             <a:endParaRPr lang="pt-BR"/>
           </a:p>
@@ -1011,7 +1011,7 @@
           <a:p>
             <a:fld id="{EB6B2D80-902D-46A4-90A3-28F1615B9F98}" type="datetimeFigureOut">
               <a:rPr lang="pt-BR" smtClean="0"/>
-              <a:t>12/07/2017</a:t>
+              <a:t>13/07/2017</a:t>
             </a:fld>
             <a:endParaRPr lang="pt-BR"/>
           </a:p>
@@ -1243,7 +1243,7 @@
           <a:p>
             <a:fld id="{EB6B2D80-902D-46A4-90A3-28F1615B9F98}" type="datetimeFigureOut">
               <a:rPr lang="pt-BR" smtClean="0"/>
-              <a:t>12/07/2017</a:t>
+              <a:t>13/07/2017</a:t>
             </a:fld>
             <a:endParaRPr lang="pt-BR"/>
           </a:p>
@@ -1610,7 +1610,7 @@
           <a:p>
             <a:fld id="{EB6B2D80-902D-46A4-90A3-28F1615B9F98}" type="datetimeFigureOut">
               <a:rPr lang="pt-BR" smtClean="0"/>
-              <a:t>12/07/2017</a:t>
+              <a:t>13/07/2017</a:t>
             </a:fld>
             <a:endParaRPr lang="pt-BR"/>
           </a:p>
@@ -1728,7 +1728,7 @@
           <a:p>
             <a:fld id="{EB6B2D80-902D-46A4-90A3-28F1615B9F98}" type="datetimeFigureOut">
               <a:rPr lang="pt-BR" smtClean="0"/>
-              <a:t>12/07/2017</a:t>
+              <a:t>13/07/2017</a:t>
             </a:fld>
             <a:endParaRPr lang="pt-BR"/>
           </a:p>
@@ -1823,7 +1823,7 @@
           <a:p>
             <a:fld id="{EB6B2D80-902D-46A4-90A3-28F1615B9F98}" type="datetimeFigureOut">
               <a:rPr lang="pt-BR" smtClean="0"/>
-              <a:t>12/07/2017</a:t>
+              <a:t>13/07/2017</a:t>
             </a:fld>
             <a:endParaRPr lang="pt-BR"/>
           </a:p>
@@ -2100,7 +2100,7 @@
           <a:p>
             <a:fld id="{EB6B2D80-902D-46A4-90A3-28F1615B9F98}" type="datetimeFigureOut">
               <a:rPr lang="pt-BR" smtClean="0"/>
-              <a:t>12/07/2017</a:t>
+              <a:t>13/07/2017</a:t>
             </a:fld>
             <a:endParaRPr lang="pt-BR"/>
           </a:p>
@@ -2357,7 +2357,7 @@
           <a:p>
             <a:fld id="{EB6B2D80-902D-46A4-90A3-28F1615B9F98}" type="datetimeFigureOut">
               <a:rPr lang="pt-BR" smtClean="0"/>
-              <a:t>12/07/2017</a:t>
+              <a:t>13/07/2017</a:t>
             </a:fld>
             <a:endParaRPr lang="pt-BR"/>
           </a:p>
@@ -2570,7 +2570,7 @@
           <a:p>
             <a:fld id="{EB6B2D80-902D-46A4-90A3-28F1615B9F98}" type="datetimeFigureOut">
               <a:rPr lang="pt-BR" smtClean="0"/>
-              <a:t>12/07/2017</a:t>
+              <a:t>13/07/2017</a:t>
             </a:fld>
             <a:endParaRPr lang="pt-BR"/>
           </a:p>
